--- a/lectures/m12-wrap.pptx
+++ b/lectures/m12-wrap.pptx
@@ -227,7 +227,7 @@
           <a:p>
             <a:fld id="{840221F2-9221-C947-8AA1-B2ECA6CA3F5F}" type="datetimeFigureOut">
               <a:rPr lang="en-US" smtClean="0"/>
-              <a:t>4/6/22</a:t>
+              <a:t>8/21/23</a:t>
             </a:fld>
             <a:endParaRPr lang="en-US"/>
           </a:p>
@@ -404,7 +404,7 @@
           <a:p>
             <a:fld id="{C6FAA5DE-27F5-9745-9CE3-8D5124841CBB}" type="datetimeFigureOut">
               <a:rPr lang="en-US" smtClean="0"/>
-              <a:t>4/6/22</a:t>
+              <a:t>8/21/23</a:t>
             </a:fld>
             <a:endParaRPr lang="en-US"/>
           </a:p>
@@ -1052,7 +1052,7 @@
           <a:p>
             <a:fld id="{43C25A20-5354-3B46-B5A4-C1220A4644A2}" type="datetimeFigureOut">
               <a:rPr lang="en-US" smtClean="0"/>
-              <a:t>4/6/22</a:t>
+              <a:t>8/21/23</a:t>
             </a:fld>
             <a:endParaRPr lang="en-US"/>
           </a:p>
@@ -1220,7 +1220,7 @@
           <a:p>
             <a:fld id="{43C25A20-5354-3B46-B5A4-C1220A4644A2}" type="datetimeFigureOut">
               <a:rPr lang="en-US" smtClean="0"/>
-              <a:t>4/6/22</a:t>
+              <a:t>8/21/23</a:t>
             </a:fld>
             <a:endParaRPr lang="en-US"/>
           </a:p>
@@ -1398,7 +1398,7 @@
           <a:p>
             <a:fld id="{43C25A20-5354-3B46-B5A4-C1220A4644A2}" type="datetimeFigureOut">
               <a:rPr lang="en-US" smtClean="0"/>
-              <a:t>4/6/22</a:t>
+              <a:t>8/21/23</a:t>
             </a:fld>
             <a:endParaRPr lang="en-US"/>
           </a:p>
@@ -1566,7 +1566,7 @@
           <a:p>
             <a:fld id="{43C25A20-5354-3B46-B5A4-C1220A4644A2}" type="datetimeFigureOut">
               <a:rPr lang="en-US" smtClean="0"/>
-              <a:t>4/6/22</a:t>
+              <a:t>8/21/23</a:t>
             </a:fld>
             <a:endParaRPr lang="en-US"/>
           </a:p>
@@ -1811,7 +1811,7 @@
           <a:p>
             <a:fld id="{43C25A20-5354-3B46-B5A4-C1220A4644A2}" type="datetimeFigureOut">
               <a:rPr lang="en-US" smtClean="0"/>
-              <a:t>4/6/22</a:t>
+              <a:t>8/21/23</a:t>
             </a:fld>
             <a:endParaRPr lang="en-US"/>
           </a:p>
@@ -2040,7 +2040,7 @@
           <a:p>
             <a:fld id="{43C25A20-5354-3B46-B5A4-C1220A4644A2}" type="datetimeFigureOut">
               <a:rPr lang="en-US" smtClean="0"/>
-              <a:t>4/6/22</a:t>
+              <a:t>8/21/23</a:t>
             </a:fld>
             <a:endParaRPr lang="en-US"/>
           </a:p>
@@ -2404,7 +2404,7 @@
           <a:p>
             <a:fld id="{43C25A20-5354-3B46-B5A4-C1220A4644A2}" type="datetimeFigureOut">
               <a:rPr lang="en-US" smtClean="0"/>
-              <a:t>4/6/22</a:t>
+              <a:t>8/21/23</a:t>
             </a:fld>
             <a:endParaRPr lang="en-US"/>
           </a:p>
@@ -2521,7 +2521,7 @@
           <a:p>
             <a:fld id="{43C25A20-5354-3B46-B5A4-C1220A4644A2}" type="datetimeFigureOut">
               <a:rPr lang="en-US" smtClean="0"/>
-              <a:t>4/6/22</a:t>
+              <a:t>8/21/23</a:t>
             </a:fld>
             <a:endParaRPr lang="en-US"/>
           </a:p>
@@ -2616,7 +2616,7 @@
           <a:p>
             <a:fld id="{43C25A20-5354-3B46-B5A4-C1220A4644A2}" type="datetimeFigureOut">
               <a:rPr lang="en-US" smtClean="0"/>
-              <a:t>4/6/22</a:t>
+              <a:t>8/21/23</a:t>
             </a:fld>
             <a:endParaRPr lang="en-US"/>
           </a:p>
@@ -2891,7 +2891,7 @@
           <a:p>
             <a:fld id="{43C25A20-5354-3B46-B5A4-C1220A4644A2}" type="datetimeFigureOut">
               <a:rPr lang="en-US" smtClean="0"/>
-              <a:t>4/6/22</a:t>
+              <a:t>8/21/23</a:t>
             </a:fld>
             <a:endParaRPr lang="en-US"/>
           </a:p>
@@ -3143,7 +3143,7 @@
           <a:p>
             <a:fld id="{43C25A20-5354-3B46-B5A4-C1220A4644A2}" type="datetimeFigureOut">
               <a:rPr lang="en-US" smtClean="0"/>
-              <a:t>4/6/22</a:t>
+              <a:t>8/21/23</a:t>
             </a:fld>
             <a:endParaRPr lang="en-US"/>
           </a:p>
@@ -3354,7 +3354,7 @@
           <a:p>
             <a:fld id="{43C25A20-5354-3B46-B5A4-C1220A4644A2}" type="datetimeFigureOut">
               <a:rPr lang="en-US" smtClean="0"/>
-              <a:t>4/6/22</a:t>
+              <a:t>8/21/23</a:t>
             </a:fld>
             <a:endParaRPr lang="en-US"/>
           </a:p>
@@ -4689,7 +4689,7 @@
           <a:p>
             <a:r>
               <a:rPr lang="en-US" dirty="0"/>
-              <a:t>A reference letter that helps must have all three of these properties:</a:t>
+              <a:t>To help, a reference letter must have all three of these properties:</a:t>
             </a:r>
           </a:p>
           <a:p>
